--- a/etapas-pipeline.pptx
+++ b/etapas-pipeline.pptx
@@ -6071,7 +6071,7 @@
           <a:p>
             <a:r>
               <a:rPr lang="es-US" dirty="0"/>
-              <a:t>PRESENTACIÓN</a:t>
+              <a:t>PRESENTACIÓN  </a:t>
             </a:r>
           </a:p>
         </p:txBody>
@@ -6100,11 +6100,63 @@
         </p:blipFill>
         <p:spPr>
           <a:xfrm>
-            <a:off x="2416764" y="2197312"/>
+            <a:off x="977431" y="2163445"/>
             <a:ext cx="7358472" cy="3856354"/>
           </a:xfrm>
         </p:spPr>
       </p:pic>
+      <p:sp>
+        <p:nvSpPr>
+          <p:cNvPr id="3" name="CuadroTexto 2">
+            <a:extLst>
+              <a:ext uri="{FF2B5EF4-FFF2-40B4-BE49-F238E27FC236}">
+                <a16:creationId xmlns:a16="http://schemas.microsoft.com/office/drawing/2014/main" id="{F1D9ECF3-0E74-7A94-53FF-BAC698611503}"/>
+              </a:ext>
+            </a:extLst>
+          </p:cNvPr>
+          <p:cNvSpPr txBox="1"/>
+          <p:nvPr/>
+        </p:nvSpPr>
+        <p:spPr>
+          <a:xfrm>
+            <a:off x="8839201" y="4893733"/>
+            <a:ext cx="2624666" cy="923330"/>
+          </a:xfrm>
+          <a:prstGeom prst="rect">
+            <a:avLst/>
+          </a:prstGeom>
+          <a:noFill/>
+        </p:spPr>
+        <p:txBody>
+          <a:bodyPr wrap="square" rtlCol="0">
+            <a:spAutoFit/>
+          </a:bodyPr>
+          <a:lstStyle/>
+          <a:p>
+            <a:r>
+              <a:rPr lang="es-US" dirty="0"/>
+              <a:t>Link del </a:t>
+            </a:r>
+            <a:r>
+              <a:rPr lang="es-US" dirty="0" err="1"/>
+              <a:t>dashboard</a:t>
+            </a:r>
+            <a:r>
+              <a:rPr lang="es-US" dirty="0"/>
+              <a:t> web:</a:t>
+            </a:r>
+          </a:p>
+          <a:p>
+            <a:r>
+              <a:rPr lang="es-US" dirty="0">
+                <a:hlinkClick r:id="rId3"/>
+              </a:rPr>
+              <a:t>https://acom-test-dashboard.netlify.app/</a:t>
+            </a:r>
+            <a:endParaRPr lang="es-US" dirty="0"/>
+          </a:p>
+        </p:txBody>
+      </p:sp>
     </p:spTree>
     <p:extLst>
       <p:ext uri="{BB962C8B-B14F-4D97-AF65-F5344CB8AC3E}">
@@ -7019,15 +7071,6 @@
 </file>
 
 <file path=customXml/item2.xml><?xml version="1.0" encoding="utf-8"?>
-<p:properties xmlns:p="http://schemas.microsoft.com/office/2006/metadata/properties" xmlns:xsi="http://www.w3.org/2001/XMLSchema-instance" xmlns:pc="http://schemas.microsoft.com/office/infopath/2007/PartnerControls">
-  <documentManagement>
-    <Status xmlns="71af3243-3dd4-4a8d-8c0d-dd76da1f02a5">Not started</Status>
-    <MediaServiceKeyPoints xmlns="71af3243-3dd4-4a8d-8c0d-dd76da1f02a5" xsi:nil="true"/>
-  </documentManagement>
-</p:properties>
-</file>
-
-<file path=customXml/item3.xml><?xml version="1.0" encoding="utf-8"?>
 <ct:contentTypeSchema xmlns:ct="http://schemas.microsoft.com/office/2006/metadata/contentType" xmlns:ma="http://schemas.microsoft.com/office/2006/metadata/properties/metaAttributes" ct:_="" ma:_="" ma:contentTypeName="Document" ma:contentTypeID="0x01010079F111ED35F8CC479449609E8A0923A6" ma:contentTypeVersion="12" ma:contentTypeDescription="Create a new document." ma:contentTypeScope="" ma:versionID="a410dd7f93c95333ffa1b60ed6adedd1">
   <xsd:schema xmlns:xsd="http://www.w3.org/2001/XMLSchema" xmlns:xs="http://www.w3.org/2001/XMLSchema" xmlns:p="http://schemas.microsoft.com/office/2006/metadata/properties" xmlns:ns2="71af3243-3dd4-4a8d-8c0d-dd76da1f02a5" xmlns:ns3="16c05727-aa75-4e4a-9b5f-8a80a1165891" targetNamespace="http://schemas.microsoft.com/office/2006/metadata/properties" ma:root="true" ma:fieldsID="a936d9baba76aa3866493feff160faab" ns2:_="" ns3:_="">
     <xsd:import namespace="71af3243-3dd4-4a8d-8c0d-dd76da1f02a5"/>
@@ -7248,6 +7291,15 @@
 </ct:contentTypeSchema>
 </file>
 
+<file path=customXml/item3.xml><?xml version="1.0" encoding="utf-8"?>
+<p:properties xmlns:p="http://schemas.microsoft.com/office/2006/metadata/properties" xmlns:xsi="http://www.w3.org/2001/XMLSchema-instance" xmlns:pc="http://schemas.microsoft.com/office/infopath/2007/PartnerControls">
+  <documentManagement>
+    <Status xmlns="71af3243-3dd4-4a8d-8c0d-dd76da1f02a5">Not started</Status>
+    <MediaServiceKeyPoints xmlns="71af3243-3dd4-4a8d-8c0d-dd76da1f02a5" xsi:nil="true"/>
+  </documentManagement>
+</p:properties>
+</file>
+
 <file path=customXml/itemProps1.xml><?xml version="1.0" encoding="utf-8"?>
 <ds:datastoreItem xmlns:ds="http://schemas.openxmlformats.org/officeDocument/2006/customXml" ds:itemID="{AA3F7EDC-E5B4-4BBC-9D2A-CBE6D46C37AD}">
   <ds:schemaRefs>
@@ -7257,16 +7309,6 @@
 </file>
 
 <file path=customXml/itemProps2.xml><?xml version="1.0" encoding="utf-8"?>
-<ds:datastoreItem xmlns:ds="http://schemas.openxmlformats.org/officeDocument/2006/customXml" ds:itemID="{A03EEFF0-FB57-4CB4-8BFC-DF397689E2ED}">
-  <ds:schemaRefs>
-    <ds:schemaRef ds:uri="http://schemas.microsoft.com/office/2006/metadata/properties"/>
-    <ds:schemaRef ds:uri="http://schemas.microsoft.com/office/infopath/2007/PartnerControls"/>
-    <ds:schemaRef ds:uri="71af3243-3dd4-4a8d-8c0d-dd76da1f02a5"/>
-  </ds:schemaRefs>
-</ds:datastoreItem>
-</file>
-
-<file path=customXml/itemProps3.xml><?xml version="1.0" encoding="utf-8"?>
 <ds:datastoreItem xmlns:ds="http://schemas.openxmlformats.org/officeDocument/2006/customXml" ds:itemID="{93932EF5-314F-409E-8020-FEE5FA0795B9}">
   <ds:schemaRefs>
     <ds:schemaRef ds:uri="http://schemas.microsoft.com/office/2006/metadata/contentType"/>
@@ -7283,4 +7325,14 @@
     <ds:schemaRef ds:uri="http://schemas.microsoft.com/internal/obd"/>
   </ds:schemaRefs>
 </ds:datastoreItem>
+</file>
+
+<file path=customXml/itemProps3.xml><?xml version="1.0" encoding="utf-8"?>
+<ds:datastoreItem xmlns:ds="http://schemas.openxmlformats.org/officeDocument/2006/customXml" ds:itemID="{A03EEFF0-FB57-4CB4-8BFC-DF397689E2ED}">
+  <ds:schemaRefs>
+    <ds:schemaRef ds:uri="http://schemas.microsoft.com/office/2006/metadata/properties"/>
+    <ds:schemaRef ds:uri="http://schemas.microsoft.com/office/infopath/2007/PartnerControls"/>
+    <ds:schemaRef ds:uri="71af3243-3dd4-4a8d-8c0d-dd76da1f02a5"/>
+  </ds:schemaRefs>
+</ds:datastoreItem>
 </file>